--- a/Later/JavaIO/JavaIO_101/Java_StringReader.pptx
+++ b/Later/JavaIO/JavaIO_101/Java_StringReader.pptx
@@ -4056,41 +4056,8 @@
             </a:pPr>
             <a:r>
               <a:rPr lang="en-US" sz="1200" dirty="0"/>
-              <a:t>The Java </a:t>
-            </a:r>
-            <a:r>
-              <a:rPr lang="en-US" sz="1200" dirty="0"/>
-              <a:t>StringReader</a:t>
-            </a:r>
-            <a:r>
-              <a:rPr lang="en-US" sz="1200" dirty="0"/>
-              <a:t> class enables you to turn an ordinary </a:t>
-            </a:r>
-            <a:r>
-              <a:rPr lang="en-US" sz="1200" dirty="0"/>
-              <a:t>String</a:t>
-            </a:r>
-            <a:r>
-              <a:rPr lang="en-US" sz="1200" dirty="0"/>
-              <a:t> into a </a:t>
-            </a:r>
-            <a:r>
-              <a:rPr lang="en-US" sz="1200" dirty="0"/>
-              <a:t>Reader</a:t>
-            </a:r>
-            <a:r>
-              <a:rPr lang="en-US" sz="1200" dirty="0"/>
-              <a:t>. This is useful if you have data as a String but need to pass that String to a component that only accepts a </a:t>
-            </a:r>
-            <a:r>
-              <a:rPr lang="en-US" sz="1200" dirty="0"/>
-              <a:t>Reader</a:t>
-            </a:r>
-            <a:r>
-              <a:rPr lang="en-US" sz="1200" dirty="0"/>
-              <a:t>.</a:t>
-            </a:r>
-            <a:endParaRPr lang="en-US" sz="1200" dirty="0"/>
+              <a:t>The Java StringReader class enables you to turn an ordinary String into a Reader. This is useful if you have data as a String but need to pass that String to a component that only accepts a Reader.</a:t>
+            </a:r>
           </a:p>
         </p:txBody>
       </p:sp>
